--- a/xt_2007b_replication/overviews/Wug Overview.pptx
+++ b/xt_2007b_replication/overviews/Wug Overview.pptx
@@ -297,7 +297,7 @@
           <a:p>
             <a:fld id="{8D6A9977-C28E-D142-A374-1816BD5C70DD}" type="datetimeFigureOut">
               <a:rPr lang="en-US" smtClean="0"/>
-              <a:t>9/16/12</a:t>
+              <a:t>9/5/15</a:t>
             </a:fld>
             <a:endParaRPr lang="en-US"/>
           </a:p>
@@ -467,7 +467,7 @@
           <a:p>
             <a:fld id="{8D6A9977-C28E-D142-A374-1816BD5C70DD}" type="datetimeFigureOut">
               <a:rPr lang="en-US" smtClean="0"/>
-              <a:t>9/16/12</a:t>
+              <a:t>9/5/15</a:t>
             </a:fld>
             <a:endParaRPr lang="en-US"/>
           </a:p>
@@ -647,7 +647,7 @@
           <a:p>
             <a:fld id="{8D6A9977-C28E-D142-A374-1816BD5C70DD}" type="datetimeFigureOut">
               <a:rPr lang="en-US" smtClean="0"/>
-              <a:t>9/16/12</a:t>
+              <a:t>9/5/15</a:t>
             </a:fld>
             <a:endParaRPr lang="en-US"/>
           </a:p>
@@ -817,7 +817,7 @@
           <a:p>
             <a:fld id="{8D6A9977-C28E-D142-A374-1816BD5C70DD}" type="datetimeFigureOut">
               <a:rPr lang="en-US" smtClean="0"/>
-              <a:t>9/16/12</a:t>
+              <a:t>9/5/15</a:t>
             </a:fld>
             <a:endParaRPr lang="en-US"/>
           </a:p>
@@ -1063,7 +1063,7 @@
           <a:p>
             <a:fld id="{8D6A9977-C28E-D142-A374-1816BD5C70DD}" type="datetimeFigureOut">
               <a:rPr lang="en-US" smtClean="0"/>
-              <a:t>9/16/12</a:t>
+              <a:t>9/5/15</a:t>
             </a:fld>
             <a:endParaRPr lang="en-US"/>
           </a:p>
@@ -1351,7 +1351,7 @@
           <a:p>
             <a:fld id="{8D6A9977-C28E-D142-A374-1816BD5C70DD}" type="datetimeFigureOut">
               <a:rPr lang="en-US" smtClean="0"/>
-              <a:t>9/16/12</a:t>
+              <a:t>9/5/15</a:t>
             </a:fld>
             <a:endParaRPr lang="en-US"/>
           </a:p>
@@ -1773,7 +1773,7 @@
           <a:p>
             <a:fld id="{8D6A9977-C28E-D142-A374-1816BD5C70DD}" type="datetimeFigureOut">
               <a:rPr lang="en-US" smtClean="0"/>
-              <a:t>9/16/12</a:t>
+              <a:t>9/5/15</a:t>
             </a:fld>
             <a:endParaRPr lang="en-US"/>
           </a:p>
@@ -1891,7 +1891,7 @@
           <a:p>
             <a:fld id="{8D6A9977-C28E-D142-A374-1816BD5C70DD}" type="datetimeFigureOut">
               <a:rPr lang="en-US" smtClean="0"/>
-              <a:t>9/16/12</a:t>
+              <a:t>9/5/15</a:t>
             </a:fld>
             <a:endParaRPr lang="en-US"/>
           </a:p>
@@ -1986,7 +1986,7 @@
           <a:p>
             <a:fld id="{8D6A9977-C28E-D142-A374-1816BD5C70DD}" type="datetimeFigureOut">
               <a:rPr lang="en-US" smtClean="0"/>
-              <a:t>9/16/12</a:t>
+              <a:t>9/5/15</a:t>
             </a:fld>
             <a:endParaRPr lang="en-US"/>
           </a:p>
@@ -2263,7 +2263,7 @@
           <a:p>
             <a:fld id="{8D6A9977-C28E-D142-A374-1816BD5C70DD}" type="datetimeFigureOut">
               <a:rPr lang="en-US" smtClean="0"/>
-              <a:t>9/16/12</a:t>
+              <a:t>9/5/15</a:t>
             </a:fld>
             <a:endParaRPr lang="en-US"/>
           </a:p>
@@ -2516,7 +2516,7 @@
           <a:p>
             <a:fld id="{8D6A9977-C28E-D142-A374-1816BD5C70DD}" type="datetimeFigureOut">
               <a:rPr lang="en-US" smtClean="0"/>
-              <a:t>9/16/12</a:t>
+              <a:t>9/5/15</a:t>
             </a:fld>
             <a:endParaRPr lang="en-US"/>
           </a:p>
@@ -2729,7 +2729,7 @@
           <a:p>
             <a:fld id="{8D6A9977-C28E-D142-A374-1816BD5C70DD}" type="datetimeFigureOut">
               <a:rPr lang="en-US" smtClean="0"/>
-              <a:t>9/16/12</a:t>
+              <a:t>9/5/15</a:t>
             </a:fld>
             <a:endParaRPr lang="en-US"/>
           </a:p>
@@ -4778,7 +4778,21 @@
                 <a:latin typeface="Times"/>
                 <a:cs typeface="Times"/>
               </a:rPr>
-              <a:t> 2007a, with extension to across category generalization</a:t>
+              <a:t> </a:t>
+            </a:r>
+            <a:r>
+              <a:rPr lang="en-US" sz="1400" dirty="0" smtClean="0">
+                <a:latin typeface="Times"/>
+                <a:cs typeface="Times"/>
+              </a:rPr>
+              <a:t>2007b, </a:t>
+            </a:r>
+            <a:r>
+              <a:rPr lang="en-US" sz="1400" dirty="0" smtClean="0">
+                <a:latin typeface="Times"/>
+                <a:cs typeface="Times"/>
+              </a:rPr>
+              <a:t>with extension to across category generalization</a:t>
             </a:r>
           </a:p>
           <a:p>
@@ -7585,25 +7599,8 @@
                 <a:latin typeface="Times"/>
                 <a:cs typeface="Times"/>
               </a:rPr>
-              <a:t>See pattern, just </a:t>
-            </a:r>
-            <a:r>
-              <a:rPr lang="en-US" sz="800" smtClean="0">
-                <a:solidFill>
-                  <a:srgbClr val="000000"/>
-                </a:solidFill>
-                <a:latin typeface="Times"/>
-                <a:cs typeface="Times"/>
-              </a:rPr>
-              <a:t>LESS conservative</a:t>
-            </a:r>
-            <a:endParaRPr lang="en-US" sz="800" dirty="0" smtClean="0">
-              <a:solidFill>
-                <a:srgbClr val="000000"/>
-              </a:solidFill>
-              <a:latin typeface="Times"/>
-              <a:cs typeface="Times"/>
-            </a:endParaRPr>
+              <a:t>See pattern, just LESS conservative</a:t>
+            </a:r>
           </a:p>
           <a:p>
             <a:pPr marL="800100" lvl="3" indent="-342900">

--- a/xt_2007b_replication/overviews/Wug Overview.pptx
+++ b/xt_2007b_replication/overviews/Wug Overview.pptx
@@ -15,6 +15,7 @@
     <p:sldId id="264" r:id="rId9"/>
     <p:sldId id="265" r:id="rId10"/>
     <p:sldId id="266" r:id="rId11"/>
+    <p:sldId id="267" r:id="rId12"/>
   </p:sldIdLst>
   <p:sldSz cx="6858000" cy="9144000" type="screen4x3"/>
   <p:notesSz cx="6858000" cy="9144000"/>
@@ -297,7 +298,7 @@
           <a:p>
             <a:fld id="{8D6A9977-C28E-D142-A374-1816BD5C70DD}" type="datetimeFigureOut">
               <a:rPr lang="en-US" smtClean="0"/>
-              <a:t>9/5/15</a:t>
+              <a:t>9/6/15</a:t>
             </a:fld>
             <a:endParaRPr lang="en-US"/>
           </a:p>
@@ -467,7 +468,7 @@
           <a:p>
             <a:fld id="{8D6A9977-C28E-D142-A374-1816BD5C70DD}" type="datetimeFigureOut">
               <a:rPr lang="en-US" smtClean="0"/>
-              <a:t>9/5/15</a:t>
+              <a:t>9/6/15</a:t>
             </a:fld>
             <a:endParaRPr lang="en-US"/>
           </a:p>
@@ -647,7 +648,7 @@
           <a:p>
             <a:fld id="{8D6A9977-C28E-D142-A374-1816BD5C70DD}" type="datetimeFigureOut">
               <a:rPr lang="en-US" smtClean="0"/>
-              <a:t>9/5/15</a:t>
+              <a:t>9/6/15</a:t>
             </a:fld>
             <a:endParaRPr lang="en-US"/>
           </a:p>
@@ -817,7 +818,7 @@
           <a:p>
             <a:fld id="{8D6A9977-C28E-D142-A374-1816BD5C70DD}" type="datetimeFigureOut">
               <a:rPr lang="en-US" smtClean="0"/>
-              <a:t>9/5/15</a:t>
+              <a:t>9/6/15</a:t>
             </a:fld>
             <a:endParaRPr lang="en-US"/>
           </a:p>
@@ -1063,7 +1064,7 @@
           <a:p>
             <a:fld id="{8D6A9977-C28E-D142-A374-1816BD5C70DD}" type="datetimeFigureOut">
               <a:rPr lang="en-US" smtClean="0"/>
-              <a:t>9/5/15</a:t>
+              <a:t>9/6/15</a:t>
             </a:fld>
             <a:endParaRPr lang="en-US"/>
           </a:p>
@@ -1351,7 +1352,7 @@
           <a:p>
             <a:fld id="{8D6A9977-C28E-D142-A374-1816BD5C70DD}" type="datetimeFigureOut">
               <a:rPr lang="en-US" smtClean="0"/>
-              <a:t>9/5/15</a:t>
+              <a:t>9/6/15</a:t>
             </a:fld>
             <a:endParaRPr lang="en-US"/>
           </a:p>
@@ -1773,7 +1774,7 @@
           <a:p>
             <a:fld id="{8D6A9977-C28E-D142-A374-1816BD5C70DD}" type="datetimeFigureOut">
               <a:rPr lang="en-US" smtClean="0"/>
-              <a:t>9/5/15</a:t>
+              <a:t>9/6/15</a:t>
             </a:fld>
             <a:endParaRPr lang="en-US"/>
           </a:p>
@@ -1891,7 +1892,7 @@
           <a:p>
             <a:fld id="{8D6A9977-C28E-D142-A374-1816BD5C70DD}" type="datetimeFigureOut">
               <a:rPr lang="en-US" smtClean="0"/>
-              <a:t>9/5/15</a:t>
+              <a:t>9/6/15</a:t>
             </a:fld>
             <a:endParaRPr lang="en-US"/>
           </a:p>
@@ -1986,7 +1987,7 @@
           <a:p>
             <a:fld id="{8D6A9977-C28E-D142-A374-1816BD5C70DD}" type="datetimeFigureOut">
               <a:rPr lang="en-US" smtClean="0"/>
-              <a:t>9/5/15</a:t>
+              <a:t>9/6/15</a:t>
             </a:fld>
             <a:endParaRPr lang="en-US"/>
           </a:p>
@@ -2263,7 +2264,7 @@
           <a:p>
             <a:fld id="{8D6A9977-C28E-D142-A374-1816BD5C70DD}" type="datetimeFigureOut">
               <a:rPr lang="en-US" smtClean="0"/>
-              <a:t>9/5/15</a:t>
+              <a:t>9/6/15</a:t>
             </a:fld>
             <a:endParaRPr lang="en-US"/>
           </a:p>
@@ -2516,7 +2517,7 @@
           <a:p>
             <a:fld id="{8D6A9977-C28E-D142-A374-1816BD5C70DD}" type="datetimeFigureOut">
               <a:rPr lang="en-US" smtClean="0"/>
-              <a:t>9/5/15</a:t>
+              <a:t>9/6/15</a:t>
             </a:fld>
             <a:endParaRPr lang="en-US"/>
           </a:p>
@@ -2729,7 +2730,7 @@
           <a:p>
             <a:fld id="{8D6A9977-C28E-D142-A374-1816BD5C70DD}" type="datetimeFigureOut">
               <a:rPr lang="en-US" smtClean="0"/>
-              <a:t>9/5/15</a:t>
+              <a:t>9/6/15</a:t>
             </a:fld>
             <a:endParaRPr lang="en-US"/>
           </a:p>
@@ -4409,6 +4410,355 @@
 </p:sld>
 </file>
 
+<file path=ppt/slides/slide11.xml><?xml version="1.0" encoding="utf-8"?>
+<p:sld xmlns:a="http://schemas.openxmlformats.org/drawingml/2006/main" xmlns:r="http://schemas.openxmlformats.org/officeDocument/2006/relationships" xmlns:p="http://schemas.openxmlformats.org/presentationml/2006/main">
+  <p:cSld>
+    <p:spTree>
+      <p:nvGrpSpPr>
+        <p:cNvPr id="1" name=""/>
+        <p:cNvGrpSpPr/>
+        <p:nvPr/>
+      </p:nvGrpSpPr>
+      <p:grpSpPr>
+        <a:xfrm>
+          <a:off x="0" y="0"/>
+          <a:ext cx="0" cy="0"/>
+          <a:chOff x="0" y="0"/>
+          <a:chExt cx="0" cy="0"/>
+        </a:xfrm>
+      </p:grpSpPr>
+      <p:sp>
+        <p:nvSpPr>
+          <p:cNvPr id="5" name="Title 4"/>
+          <p:cNvSpPr>
+            <a:spLocks noGrp="1"/>
+          </p:cNvSpPr>
+          <p:nvPr>
+            <p:ph type="title"/>
+          </p:nvPr>
+        </p:nvSpPr>
+        <p:spPr>
+          <a:xfrm>
+            <a:off x="375747" y="191017"/>
+            <a:ext cx="5985456" cy="739527"/>
+          </a:xfrm>
+        </p:spPr>
+        <p:txBody>
+          <a:bodyPr>
+            <a:normAutofit/>
+          </a:bodyPr>
+          <a:lstStyle/>
+          <a:p>
+            <a:r>
+              <a:rPr lang="en-US" sz="2500" b="1" dirty="0" smtClean="0">
+                <a:solidFill>
+                  <a:srgbClr val="FF0000"/>
+                </a:solidFill>
+              </a:rPr>
+              <a:t>Experiment </a:t>
+            </a:r>
+            <a:r>
+              <a:rPr lang="en-US" sz="2500" b="1" dirty="0">
+                <a:solidFill>
+                  <a:srgbClr val="FF0000"/>
+                </a:solidFill>
+              </a:rPr>
+              <a:t>7</a:t>
+            </a:r>
+            <a:r>
+              <a:rPr lang="en-US" sz="2500" b="1" dirty="0" smtClean="0">
+                <a:solidFill>
+                  <a:srgbClr val="FF0000"/>
+                </a:solidFill>
+              </a:rPr>
+              <a:t> </a:t>
+            </a:r>
+            <a:r>
+              <a:rPr lang="en-US" sz="2500" b="1" dirty="0" smtClean="0">
+                <a:solidFill>
+                  <a:srgbClr val="FF0000"/>
+                </a:solidFill>
+              </a:rPr>
+              <a:t>(“</a:t>
+            </a:r>
+            <a:r>
+              <a:rPr lang="en-US" sz="2500" b="1" dirty="0" smtClean="0">
+                <a:solidFill>
+                  <a:srgbClr val="FF0000"/>
+                </a:solidFill>
+              </a:rPr>
+              <a:t>wug7”</a:t>
+            </a:r>
+            <a:r>
+              <a:rPr lang="en-US" sz="2500" b="1" dirty="0" smtClean="0">
+                <a:solidFill>
+                  <a:srgbClr val="FF0000"/>
+                </a:solidFill>
+              </a:rPr>
+              <a:t>)</a:t>
+            </a:r>
+            <a:endParaRPr lang="en-US" sz="2500" b="1" dirty="0">
+              <a:solidFill>
+                <a:srgbClr val="FF0000"/>
+              </a:solidFill>
+            </a:endParaRPr>
+          </a:p>
+        </p:txBody>
+      </p:sp>
+      <p:sp>
+        <p:nvSpPr>
+          <p:cNvPr id="6" name="Content Placeholder 2"/>
+          <p:cNvSpPr txBox="1">
+            <a:spLocks/>
+          </p:cNvSpPr>
+          <p:nvPr/>
+        </p:nvSpPr>
+        <p:spPr>
+          <a:xfrm>
+            <a:off x="375747" y="926790"/>
+            <a:ext cx="5985456" cy="7645199"/>
+          </a:xfrm>
+          <a:prstGeom prst="rect">
+            <a:avLst/>
+          </a:prstGeom>
+        </p:spPr>
+        <p:txBody>
+          <a:bodyPr>
+            <a:normAutofit/>
+          </a:bodyPr>
+          <a:lstStyle>
+            <a:lvl1pPr marL="342900" indent="-342900" algn="l" defTabSz="457200" rtl="0" eaLnBrk="1" latinLnBrk="0" hangingPunct="1">
+              <a:spcBef>
+                <a:spcPct val="20000"/>
+              </a:spcBef>
+              <a:buFont typeface="Arial"/>
+              <a:buChar char="•"/>
+              <a:defRPr sz="3200" kern="1200">
+                <a:solidFill>
+                  <a:schemeClr val="tx1"/>
+                </a:solidFill>
+                <a:latin typeface="Century Gothic"/>
+                <a:ea typeface="+mn-ea"/>
+                <a:cs typeface="Century Gothic"/>
+              </a:defRPr>
+            </a:lvl1pPr>
+            <a:lvl2pPr marL="742950" indent="-285750" algn="l" defTabSz="457200" rtl="0" eaLnBrk="1" latinLnBrk="0" hangingPunct="1">
+              <a:spcBef>
+                <a:spcPct val="20000"/>
+              </a:spcBef>
+              <a:buFont typeface="Arial"/>
+              <a:buChar char="–"/>
+              <a:defRPr sz="2800" kern="1200">
+                <a:solidFill>
+                  <a:schemeClr val="tx1"/>
+                </a:solidFill>
+                <a:latin typeface="Century Gothic"/>
+                <a:ea typeface="+mn-ea"/>
+                <a:cs typeface="Century Gothic"/>
+              </a:defRPr>
+            </a:lvl2pPr>
+            <a:lvl3pPr marL="1143000" indent="-228600" algn="l" defTabSz="457200" rtl="0" eaLnBrk="1" latinLnBrk="0" hangingPunct="1">
+              <a:spcBef>
+                <a:spcPct val="20000"/>
+              </a:spcBef>
+              <a:buFont typeface="Arial"/>
+              <a:buChar char="•"/>
+              <a:defRPr sz="2400" kern="1200">
+                <a:solidFill>
+                  <a:schemeClr val="tx1"/>
+                </a:solidFill>
+                <a:latin typeface="Century Gothic"/>
+                <a:ea typeface="+mn-ea"/>
+                <a:cs typeface="Century Gothic"/>
+              </a:defRPr>
+            </a:lvl3pPr>
+            <a:lvl4pPr marL="1600200" indent="-228600" algn="l" defTabSz="457200" rtl="0" eaLnBrk="1" latinLnBrk="0" hangingPunct="1">
+              <a:spcBef>
+                <a:spcPct val="20000"/>
+              </a:spcBef>
+              <a:buFont typeface="Arial"/>
+              <a:buChar char="–"/>
+              <a:defRPr sz="2000" kern="1200">
+                <a:solidFill>
+                  <a:schemeClr val="tx1"/>
+                </a:solidFill>
+                <a:latin typeface="Century Gothic"/>
+                <a:ea typeface="+mn-ea"/>
+                <a:cs typeface="Century Gothic"/>
+              </a:defRPr>
+            </a:lvl4pPr>
+            <a:lvl5pPr marL="2057400" indent="-228600" algn="l" defTabSz="457200" rtl="0" eaLnBrk="1" latinLnBrk="0" hangingPunct="1">
+              <a:spcBef>
+                <a:spcPct val="20000"/>
+              </a:spcBef>
+              <a:buFont typeface="Arial"/>
+              <a:buChar char="»"/>
+              <a:defRPr sz="2000" kern="1200">
+                <a:solidFill>
+                  <a:schemeClr val="tx1"/>
+                </a:solidFill>
+                <a:latin typeface="Century Gothic"/>
+                <a:ea typeface="+mn-ea"/>
+                <a:cs typeface="Century Gothic"/>
+              </a:defRPr>
+            </a:lvl5pPr>
+            <a:lvl6pPr marL="2514600" indent="-228600" algn="l" defTabSz="457200" rtl="0" eaLnBrk="1" latinLnBrk="0" hangingPunct="1">
+              <a:spcBef>
+                <a:spcPct val="20000"/>
+              </a:spcBef>
+              <a:buFont typeface="Arial"/>
+              <a:buChar char="•"/>
+              <a:defRPr sz="2000" kern="1200">
+                <a:solidFill>
+                  <a:schemeClr val="tx1"/>
+                </a:solidFill>
+                <a:latin typeface="+mn-lt"/>
+                <a:ea typeface="+mn-ea"/>
+                <a:cs typeface="+mn-cs"/>
+              </a:defRPr>
+            </a:lvl6pPr>
+            <a:lvl7pPr marL="2971800" indent="-228600" algn="l" defTabSz="457200" rtl="0" eaLnBrk="1" latinLnBrk="0" hangingPunct="1">
+              <a:spcBef>
+                <a:spcPct val="20000"/>
+              </a:spcBef>
+              <a:buFont typeface="Arial"/>
+              <a:buChar char="•"/>
+              <a:defRPr sz="2000" kern="1200">
+                <a:solidFill>
+                  <a:schemeClr val="tx1"/>
+                </a:solidFill>
+                <a:latin typeface="+mn-lt"/>
+                <a:ea typeface="+mn-ea"/>
+                <a:cs typeface="+mn-cs"/>
+              </a:defRPr>
+            </a:lvl7pPr>
+            <a:lvl8pPr marL="3429000" indent="-228600" algn="l" defTabSz="457200" rtl="0" eaLnBrk="1" latinLnBrk="0" hangingPunct="1">
+              <a:spcBef>
+                <a:spcPct val="20000"/>
+              </a:spcBef>
+              <a:buFont typeface="Arial"/>
+              <a:buChar char="•"/>
+              <a:defRPr sz="2000" kern="1200">
+                <a:solidFill>
+                  <a:schemeClr val="tx1"/>
+                </a:solidFill>
+                <a:latin typeface="+mn-lt"/>
+                <a:ea typeface="+mn-ea"/>
+                <a:cs typeface="+mn-cs"/>
+              </a:defRPr>
+            </a:lvl8pPr>
+            <a:lvl9pPr marL="3886200" indent="-228600" algn="l" defTabSz="457200" rtl="0" eaLnBrk="1" latinLnBrk="0" hangingPunct="1">
+              <a:spcBef>
+                <a:spcPct val="20000"/>
+              </a:spcBef>
+              <a:buFont typeface="Arial"/>
+              <a:buChar char="•"/>
+              <a:defRPr sz="2000" kern="1200">
+                <a:solidFill>
+                  <a:schemeClr val="tx1"/>
+                </a:solidFill>
+                <a:latin typeface="+mn-lt"/>
+                <a:ea typeface="+mn-ea"/>
+                <a:cs typeface="+mn-cs"/>
+              </a:defRPr>
+            </a:lvl9pPr>
+          </a:lstStyle>
+          <a:p>
+            <a:r>
+              <a:rPr lang="en-US" sz="2400" dirty="0" smtClean="0">
+                <a:latin typeface="Times"/>
+                <a:cs typeface="Times"/>
+              </a:rPr>
+              <a:t>Marlene’s summer experiment (2015)</a:t>
+            </a:r>
+          </a:p>
+          <a:p>
+            <a:r>
+              <a:rPr lang="en-US" sz="2400" dirty="0" smtClean="0">
+                <a:latin typeface="Times"/>
+                <a:cs typeface="Times"/>
+              </a:rPr>
+              <a:t>new stimuli, very close to original,</a:t>
+            </a:r>
+          </a:p>
+          <a:p>
+            <a:r>
+              <a:rPr lang="en-US" sz="2400" dirty="0" smtClean="0">
+                <a:latin typeface="Times"/>
+                <a:cs typeface="Times"/>
+              </a:rPr>
+              <a:t>changed picture </a:t>
+            </a:r>
+            <a:r>
+              <a:rPr lang="en-US" sz="2400" smtClean="0">
+                <a:latin typeface="Times"/>
+                <a:cs typeface="Times"/>
+              </a:rPr>
+              <a:t>of teacher</a:t>
+            </a:r>
+            <a:endParaRPr lang="en-US" sz="2400" dirty="0" smtClean="0">
+              <a:latin typeface="Times"/>
+              <a:cs typeface="Times"/>
+            </a:endParaRPr>
+          </a:p>
+          <a:p>
+            <a:r>
+              <a:rPr lang="en-US" sz="2400" dirty="0" smtClean="0">
+                <a:latin typeface="Times"/>
+                <a:cs typeface="Times"/>
+              </a:rPr>
+              <a:t>replicates!</a:t>
+            </a:r>
+            <a:endParaRPr lang="en-US" sz="2400" dirty="0" smtClean="0">
+              <a:latin typeface="Times"/>
+              <a:cs typeface="Times"/>
+            </a:endParaRPr>
+          </a:p>
+        </p:txBody>
+      </p:sp>
+      <p:sp>
+        <p:nvSpPr>
+          <p:cNvPr id="8" name="Slide Number Placeholder 7"/>
+          <p:cNvSpPr>
+            <a:spLocks noGrp="1"/>
+          </p:cNvSpPr>
+          <p:nvPr>
+            <p:ph type="sldNum" sz="quarter" idx="12"/>
+          </p:nvPr>
+        </p:nvSpPr>
+        <p:spPr/>
+        <p:txBody>
+          <a:bodyPr/>
+          <a:lstStyle/>
+          <a:p>
+            <a:fld id="{25A9CFED-3103-F44A-924B-443907A3B053}" type="slidenum">
+              <a:rPr lang="en-US" smtClean="0"/>
+              <a:t>11</a:t>
+            </a:fld>
+            <a:endParaRPr lang="en-US"/>
+          </a:p>
+        </p:txBody>
+      </p:sp>
+    </p:spTree>
+    <p:extLst>
+      <p:ext uri="{BB962C8B-B14F-4D97-AF65-F5344CB8AC3E}">
+        <p14:creationId xmlns:p14="http://schemas.microsoft.com/office/powerpoint/2010/main" val="4029704868"/>
+      </p:ext>
+    </p:extLst>
+  </p:cSld>
+  <p:clrMapOvr>
+    <a:masterClrMapping/>
+  </p:clrMapOvr>
+  <p:timing>
+    <p:tnLst>
+      <p:par>
+        <p:cTn xmlns:p14="http://schemas.microsoft.com/office/powerpoint/2010/main" id="1" dur="indefinite" restart="never" nodeType="tmRoot"/>
+      </p:par>
+    </p:tnLst>
+  </p:timing>
+</p:sld>
+</file>
+
 <file path=ppt/slides/slide2.xml><?xml version="1.0" encoding="utf-8"?>
 <p:sld xmlns:a="http://schemas.openxmlformats.org/drawingml/2006/main" xmlns:r="http://schemas.openxmlformats.org/officeDocument/2006/relationships" xmlns:p="http://schemas.openxmlformats.org/presentationml/2006/main">
   <p:cSld>
@@ -4778,21 +5128,7 @@
                 <a:latin typeface="Times"/>
                 <a:cs typeface="Times"/>
               </a:rPr>
-              <a:t> </a:t>
-            </a:r>
-            <a:r>
-              <a:rPr lang="en-US" sz="1400" dirty="0" smtClean="0">
-                <a:latin typeface="Times"/>
-                <a:cs typeface="Times"/>
-              </a:rPr>
-              <a:t>2007b, </a:t>
-            </a:r>
-            <a:r>
-              <a:rPr lang="en-US" sz="1400" dirty="0" smtClean="0">
-                <a:latin typeface="Times"/>
-                <a:cs typeface="Times"/>
-              </a:rPr>
-              <a:t>with extension to across category generalization</a:t>
+              <a:t> 2007b, with extension to across category generalization</a:t>
             </a:r>
           </a:p>
           <a:p>
@@ -7212,18 +7548,18 @@
               <a:t>Complete replication of wug2-4 (but, without no-label </a:t>
             </a:r>
             <a:r>
-              <a:rPr lang="en-US" sz="1400" dirty="0" err="1" smtClean="0">
-                <a:latin typeface="Times"/>
-                <a:cs typeface="Times"/>
-              </a:rPr>
-              <a:t>condtion</a:t>
-            </a:r>
-            <a:r>
               <a:rPr lang="en-US" sz="1400" dirty="0" smtClean="0">
                 <a:latin typeface="Times"/>
                 <a:cs typeface="Times"/>
               </a:rPr>
-              <a:t> in 4)</a:t>
+              <a:t>condition in </a:t>
+            </a:r>
+            <a:r>
+              <a:rPr lang="en-US" sz="1400" dirty="0" smtClean="0">
+                <a:latin typeface="Times"/>
+                <a:cs typeface="Times"/>
+              </a:rPr>
+              <a:t>4)</a:t>
             </a:r>
           </a:p>
           <a:p>

--- a/xt_2007b_replication/overviews/Wug Overview.pptx
+++ b/xt_2007b_replication/overviews/Wug Overview.pptx
@@ -298,7 +298,7 @@
           <a:p>
             <a:fld id="{8D6A9977-C28E-D142-A374-1816BD5C70DD}" type="datetimeFigureOut">
               <a:rPr lang="en-US" smtClean="0"/>
-              <a:t>9/6/15</a:t>
+              <a:t>9/14/15</a:t>
             </a:fld>
             <a:endParaRPr lang="en-US"/>
           </a:p>
@@ -468,7 +468,7 @@
           <a:p>
             <a:fld id="{8D6A9977-C28E-D142-A374-1816BD5C70DD}" type="datetimeFigureOut">
               <a:rPr lang="en-US" smtClean="0"/>
-              <a:t>9/6/15</a:t>
+              <a:t>9/14/15</a:t>
             </a:fld>
             <a:endParaRPr lang="en-US"/>
           </a:p>
@@ -648,7 +648,7 @@
           <a:p>
             <a:fld id="{8D6A9977-C28E-D142-A374-1816BD5C70DD}" type="datetimeFigureOut">
               <a:rPr lang="en-US" smtClean="0"/>
-              <a:t>9/6/15</a:t>
+              <a:t>9/14/15</a:t>
             </a:fld>
             <a:endParaRPr lang="en-US"/>
           </a:p>
@@ -818,7 +818,7 @@
           <a:p>
             <a:fld id="{8D6A9977-C28E-D142-A374-1816BD5C70DD}" type="datetimeFigureOut">
               <a:rPr lang="en-US" smtClean="0"/>
-              <a:t>9/6/15</a:t>
+              <a:t>9/14/15</a:t>
             </a:fld>
             <a:endParaRPr lang="en-US"/>
           </a:p>
@@ -1064,7 +1064,7 @@
           <a:p>
             <a:fld id="{8D6A9977-C28E-D142-A374-1816BD5C70DD}" type="datetimeFigureOut">
               <a:rPr lang="en-US" smtClean="0"/>
-              <a:t>9/6/15</a:t>
+              <a:t>9/14/15</a:t>
             </a:fld>
             <a:endParaRPr lang="en-US"/>
           </a:p>
@@ -1352,7 +1352,7 @@
           <a:p>
             <a:fld id="{8D6A9977-C28E-D142-A374-1816BD5C70DD}" type="datetimeFigureOut">
               <a:rPr lang="en-US" smtClean="0"/>
-              <a:t>9/6/15</a:t>
+              <a:t>9/14/15</a:t>
             </a:fld>
             <a:endParaRPr lang="en-US"/>
           </a:p>
@@ -1774,7 +1774,7 @@
           <a:p>
             <a:fld id="{8D6A9977-C28E-D142-A374-1816BD5C70DD}" type="datetimeFigureOut">
               <a:rPr lang="en-US" smtClean="0"/>
-              <a:t>9/6/15</a:t>
+              <a:t>9/14/15</a:t>
             </a:fld>
             <a:endParaRPr lang="en-US"/>
           </a:p>
@@ -1892,7 +1892,7 @@
           <a:p>
             <a:fld id="{8D6A9977-C28E-D142-A374-1816BD5C70DD}" type="datetimeFigureOut">
               <a:rPr lang="en-US" smtClean="0"/>
-              <a:t>9/6/15</a:t>
+              <a:t>9/14/15</a:t>
             </a:fld>
             <a:endParaRPr lang="en-US"/>
           </a:p>
@@ -1987,7 +1987,7 @@
           <a:p>
             <a:fld id="{8D6A9977-C28E-D142-A374-1816BD5C70DD}" type="datetimeFigureOut">
               <a:rPr lang="en-US" smtClean="0"/>
-              <a:t>9/6/15</a:t>
+              <a:t>9/14/15</a:t>
             </a:fld>
             <a:endParaRPr lang="en-US"/>
           </a:p>
@@ -2264,7 +2264,7 @@
           <a:p>
             <a:fld id="{8D6A9977-C28E-D142-A374-1816BD5C70DD}" type="datetimeFigureOut">
               <a:rPr lang="en-US" smtClean="0"/>
-              <a:t>9/6/15</a:t>
+              <a:t>9/14/15</a:t>
             </a:fld>
             <a:endParaRPr lang="en-US"/>
           </a:p>
@@ -2517,7 +2517,7 @@
           <a:p>
             <a:fld id="{8D6A9977-C28E-D142-A374-1816BD5C70DD}" type="datetimeFigureOut">
               <a:rPr lang="en-US" smtClean="0"/>
-              <a:t>9/6/15</a:t>
+              <a:t>9/14/15</a:t>
             </a:fld>
             <a:endParaRPr lang="en-US"/>
           </a:p>
@@ -2730,7 +2730,7 @@
           <a:p>
             <a:fld id="{8D6A9977-C28E-D142-A374-1816BD5C70DD}" type="datetimeFigureOut">
               <a:rPr lang="en-US" smtClean="0"/>
-              <a:t>9/6/15</a:t>
+              <a:t>9/14/15</a:t>
             </a:fld>
             <a:endParaRPr lang="en-US"/>
           </a:p>
@@ -4390,6 +4390,32 @@
           </a:p>
         </p:txBody>
       </p:sp>
+      <p:sp>
+        <p:nvSpPr>
+          <p:cNvPr id="2" name="TextBox 1"/>
+          <p:cNvSpPr txBox="1"/>
+          <p:nvPr/>
+        </p:nvSpPr>
+        <p:spPr>
+          <a:xfrm>
+            <a:off x="1066234" y="2586815"/>
+            <a:ext cx="184666" cy="369332"/>
+          </a:xfrm>
+          <a:prstGeom prst="rect">
+            <a:avLst/>
+          </a:prstGeom>
+          <a:noFill/>
+        </p:spPr>
+        <p:txBody>
+          <a:bodyPr wrap="none" rtlCol="0">
+            <a:spAutoFit/>
+          </a:bodyPr>
+          <a:lstStyle/>
+          <a:p>
+            <a:endParaRPr lang="en-US" dirty="0"/>
+          </a:p>
+        </p:txBody>
+      </p:sp>
     </p:spTree>
     <p:extLst>
       <p:ext uri="{BB962C8B-B14F-4D97-AF65-F5344CB8AC3E}">
@@ -4471,31 +4497,7 @@
                   <a:srgbClr val="FF0000"/>
                 </a:solidFill>
               </a:rPr>
-              <a:t> </a:t>
-            </a:r>
-            <a:r>
-              <a:rPr lang="en-US" sz="2500" b="1" dirty="0" smtClean="0">
-                <a:solidFill>
-                  <a:srgbClr val="FF0000"/>
-                </a:solidFill>
-              </a:rPr>
-              <a:t>(“</a:t>
-            </a:r>
-            <a:r>
-              <a:rPr lang="en-US" sz="2500" b="1" dirty="0" smtClean="0">
-                <a:solidFill>
-                  <a:srgbClr val="FF0000"/>
-                </a:solidFill>
-              </a:rPr>
-              <a:t>wug7”</a:t>
-            </a:r>
-            <a:r>
-              <a:rPr lang="en-US" sz="2500" b="1" dirty="0" smtClean="0">
-                <a:solidFill>
-                  <a:srgbClr val="FF0000"/>
-                </a:solidFill>
-              </a:rPr>
-              <a:t>)</a:t>
+              <a:t> (“wug7”)</a:t>
             </a:r>
             <a:endParaRPr lang="en-US" sz="2500" b="1" dirty="0">
               <a:solidFill>
@@ -4709,10 +4711,6 @@
               </a:rPr>
               <a:t>replicates!</a:t>
             </a:r>
-            <a:endParaRPr lang="en-US" sz="2400" dirty="0" smtClean="0">
-              <a:latin typeface="Times"/>
-              <a:cs typeface="Times"/>
-            </a:endParaRPr>
           </a:p>
         </p:txBody>
       </p:sp>
@@ -7545,21 +7543,7 @@
                 <a:latin typeface="Times"/>
                 <a:cs typeface="Times"/>
               </a:rPr>
-              <a:t>Complete replication of wug2-4 (but, without no-label </a:t>
-            </a:r>
-            <a:r>
-              <a:rPr lang="en-US" sz="1400" dirty="0" smtClean="0">
-                <a:latin typeface="Times"/>
-                <a:cs typeface="Times"/>
-              </a:rPr>
-              <a:t>condition in </a:t>
-            </a:r>
-            <a:r>
-              <a:rPr lang="en-US" sz="1400" dirty="0" smtClean="0">
-                <a:latin typeface="Times"/>
-                <a:cs typeface="Times"/>
-              </a:rPr>
-              <a:t>4)</a:t>
+              <a:t>Complete replication of wug2-4 (but, without no-label condition in 4)</a:t>
             </a:r>
           </a:p>
           <a:p>
